--- a/フェンビー.pptx
+++ b/フェンビー.pptx
@@ -121,6 +121,14 @@
 </p:presentation>
 </file>
 
+<file path=ppt/revisionInfo.xml><?xml version="1.0" encoding="utf-8"?>
+<p1510:revInfo xmlns:a="http://schemas.openxmlformats.org/drawingml/2006/main" xmlns:r="http://schemas.openxmlformats.org/officeDocument/2006/relationships" xmlns:p1510="http://schemas.microsoft.com/office/powerpoint/2015/10/main">
+  <p1510:revLst>
+    <p1510:client id="{C3C78E3E-AF91-0B6E-9B04-C22DBC1CA685}" v="9" dt="2020-05-12T09:29:32.441"/>
+  </p1510:revLst>
+</p1510:revInfo>
+</file>
+
 <file path=ppt/slideLayouts/slideLayout1.xml><?xml version="1.0" encoding="utf-8"?>
 <p:sldLayout xmlns:a="http://schemas.openxmlformats.org/drawingml/2006/main" xmlns:r="http://schemas.openxmlformats.org/officeDocument/2006/relationships" xmlns:p="http://schemas.openxmlformats.org/presentationml/2006/main" type="title" preserve="1">
   <p:cSld name="タイトル スライド">
@@ -163,10 +171,9 @@
           </a:lstStyle>
           <a:p>
             <a:r>
-              <a:rPr kumimoji="1" lang="ja-JP" altLang="en-US" smtClean="0"/>
+              <a:rPr kumimoji="1" lang="ja-JP" altLang="en-US"/>
               <a:t>マスター タイトルの書式設定</a:t>
             </a:r>
-            <a:endParaRPr kumimoji="1" lang="ja-JP" altLang="en-US"/>
           </a:p>
         </p:txBody>
       </p:sp>
@@ -228,10 +235,9 @@
           </a:lstStyle>
           <a:p>
             <a:r>
-              <a:rPr kumimoji="1" lang="ja-JP" altLang="en-US" smtClean="0"/>
+              <a:rPr kumimoji="1" lang="ja-JP" altLang="en-US"/>
               <a:t>マスター サブタイトルの書式設定</a:t>
             </a:r>
-            <a:endParaRPr kumimoji="1" lang="ja-JP" altLang="en-US"/>
           </a:p>
         </p:txBody>
       </p:sp>
@@ -346,10 +352,9 @@
           <a:lstStyle/>
           <a:p>
             <a:r>
-              <a:rPr kumimoji="1" lang="ja-JP" altLang="en-US" smtClean="0"/>
+              <a:rPr kumimoji="1" lang="ja-JP" altLang="en-US"/>
               <a:t>マスター タイトルの書式設定</a:t>
             </a:r>
-            <a:endParaRPr kumimoji="1" lang="ja-JP" altLang="en-US"/>
           </a:p>
         </p:txBody>
       </p:sp>
@@ -370,70 +375,69 @@
           <a:p>
             <a:pPr lvl="0"/>
             <a:r>
-              <a:rPr kumimoji="1" lang="ja-JP" altLang="en-US" smtClean="0"/>
+              <a:rPr kumimoji="1" lang="ja-JP" altLang="en-US"/>
               <a:t>マスター テキストの書式設定</a:t>
             </a:r>
           </a:p>
           <a:p>
             <a:pPr lvl="1"/>
             <a:r>
-              <a:rPr kumimoji="1" lang="ja-JP" altLang="en-US" smtClean="0"/>
+              <a:rPr kumimoji="1" lang="ja-JP" altLang="en-US"/>
               <a:t>第 </a:t>
             </a:r>
             <a:r>
-              <a:rPr kumimoji="1" lang="en-US" altLang="ja-JP" smtClean="0"/>
+              <a:rPr kumimoji="1" lang="en-US" altLang="ja-JP"/>
               <a:t>2 </a:t>
             </a:r>
             <a:r>
-              <a:rPr kumimoji="1" lang="ja-JP" altLang="en-US" smtClean="0"/>
+              <a:rPr kumimoji="1" lang="ja-JP" altLang="en-US"/>
               <a:t>レベル</a:t>
             </a:r>
           </a:p>
           <a:p>
             <a:pPr lvl="2"/>
             <a:r>
-              <a:rPr kumimoji="1" lang="ja-JP" altLang="en-US" smtClean="0"/>
+              <a:rPr kumimoji="1" lang="ja-JP" altLang="en-US"/>
               <a:t>第 </a:t>
             </a:r>
             <a:r>
-              <a:rPr kumimoji="1" lang="en-US" altLang="ja-JP" smtClean="0"/>
+              <a:rPr kumimoji="1" lang="en-US" altLang="ja-JP"/>
               <a:t>3 </a:t>
             </a:r>
             <a:r>
-              <a:rPr kumimoji="1" lang="ja-JP" altLang="en-US" smtClean="0"/>
+              <a:rPr kumimoji="1" lang="ja-JP" altLang="en-US"/>
               <a:t>レベル</a:t>
             </a:r>
           </a:p>
           <a:p>
             <a:pPr lvl="3"/>
             <a:r>
-              <a:rPr kumimoji="1" lang="ja-JP" altLang="en-US" smtClean="0"/>
+              <a:rPr kumimoji="1" lang="ja-JP" altLang="en-US"/>
               <a:t>第 </a:t>
             </a:r>
             <a:r>
-              <a:rPr kumimoji="1" lang="en-US" altLang="ja-JP" smtClean="0"/>
+              <a:rPr kumimoji="1" lang="en-US" altLang="ja-JP"/>
               <a:t>4 </a:t>
             </a:r>
             <a:r>
-              <a:rPr kumimoji="1" lang="ja-JP" altLang="en-US" smtClean="0"/>
+              <a:rPr kumimoji="1" lang="ja-JP" altLang="en-US"/>
               <a:t>レベル</a:t>
             </a:r>
           </a:p>
           <a:p>
             <a:pPr lvl="4"/>
             <a:r>
-              <a:rPr kumimoji="1" lang="ja-JP" altLang="en-US" smtClean="0"/>
+              <a:rPr kumimoji="1" lang="ja-JP" altLang="en-US"/>
               <a:t>第 </a:t>
             </a:r>
             <a:r>
-              <a:rPr kumimoji="1" lang="en-US" altLang="ja-JP" smtClean="0"/>
+              <a:rPr kumimoji="1" lang="en-US" altLang="ja-JP"/>
               <a:t>5 </a:t>
             </a:r>
             <a:r>
-              <a:rPr kumimoji="1" lang="ja-JP" altLang="en-US" smtClean="0"/>
+              <a:rPr kumimoji="1" lang="ja-JP" altLang="en-US"/>
               <a:t>レベル</a:t>
             </a:r>
-            <a:endParaRPr kumimoji="1" lang="ja-JP" altLang="en-US"/>
           </a:p>
         </p:txBody>
       </p:sp>
@@ -553,10 +557,9 @@
           <a:lstStyle/>
           <a:p>
             <a:r>
-              <a:rPr kumimoji="1" lang="ja-JP" altLang="en-US" smtClean="0"/>
+              <a:rPr kumimoji="1" lang="ja-JP" altLang="en-US"/>
               <a:t>マスター タイトルの書式設定</a:t>
             </a:r>
-            <a:endParaRPr kumimoji="1" lang="ja-JP" altLang="en-US"/>
           </a:p>
         </p:txBody>
       </p:sp>
@@ -582,70 +585,69 @@
           <a:p>
             <a:pPr lvl="0"/>
             <a:r>
-              <a:rPr kumimoji="1" lang="ja-JP" altLang="en-US" smtClean="0"/>
+              <a:rPr kumimoji="1" lang="ja-JP" altLang="en-US"/>
               <a:t>マスター テキストの書式設定</a:t>
             </a:r>
           </a:p>
           <a:p>
             <a:pPr lvl="1"/>
             <a:r>
-              <a:rPr kumimoji="1" lang="ja-JP" altLang="en-US" smtClean="0"/>
+              <a:rPr kumimoji="1" lang="ja-JP" altLang="en-US"/>
               <a:t>第 </a:t>
             </a:r>
             <a:r>
-              <a:rPr kumimoji="1" lang="en-US" altLang="ja-JP" smtClean="0"/>
+              <a:rPr kumimoji="1" lang="en-US" altLang="ja-JP"/>
               <a:t>2 </a:t>
             </a:r>
             <a:r>
-              <a:rPr kumimoji="1" lang="ja-JP" altLang="en-US" smtClean="0"/>
+              <a:rPr kumimoji="1" lang="ja-JP" altLang="en-US"/>
               <a:t>レベル</a:t>
             </a:r>
           </a:p>
           <a:p>
             <a:pPr lvl="2"/>
             <a:r>
-              <a:rPr kumimoji="1" lang="ja-JP" altLang="en-US" smtClean="0"/>
+              <a:rPr kumimoji="1" lang="ja-JP" altLang="en-US"/>
               <a:t>第 </a:t>
             </a:r>
             <a:r>
-              <a:rPr kumimoji="1" lang="en-US" altLang="ja-JP" smtClean="0"/>
+              <a:rPr kumimoji="1" lang="en-US" altLang="ja-JP"/>
               <a:t>3 </a:t>
             </a:r>
             <a:r>
-              <a:rPr kumimoji="1" lang="ja-JP" altLang="en-US" smtClean="0"/>
+              <a:rPr kumimoji="1" lang="ja-JP" altLang="en-US"/>
               <a:t>レベル</a:t>
             </a:r>
           </a:p>
           <a:p>
             <a:pPr lvl="3"/>
             <a:r>
-              <a:rPr kumimoji="1" lang="ja-JP" altLang="en-US" smtClean="0"/>
+              <a:rPr kumimoji="1" lang="ja-JP" altLang="en-US"/>
               <a:t>第 </a:t>
             </a:r>
             <a:r>
-              <a:rPr kumimoji="1" lang="en-US" altLang="ja-JP" smtClean="0"/>
+              <a:rPr kumimoji="1" lang="en-US" altLang="ja-JP"/>
               <a:t>4 </a:t>
             </a:r>
             <a:r>
-              <a:rPr kumimoji="1" lang="ja-JP" altLang="en-US" smtClean="0"/>
+              <a:rPr kumimoji="1" lang="ja-JP" altLang="en-US"/>
               <a:t>レベル</a:t>
             </a:r>
           </a:p>
           <a:p>
             <a:pPr lvl="4"/>
             <a:r>
-              <a:rPr kumimoji="1" lang="ja-JP" altLang="en-US" smtClean="0"/>
+              <a:rPr kumimoji="1" lang="ja-JP" altLang="en-US"/>
               <a:t>第 </a:t>
             </a:r>
             <a:r>
-              <a:rPr kumimoji="1" lang="en-US" altLang="ja-JP" smtClean="0"/>
+              <a:rPr kumimoji="1" lang="en-US" altLang="ja-JP"/>
               <a:t>5 </a:t>
             </a:r>
             <a:r>
-              <a:rPr kumimoji="1" lang="ja-JP" altLang="en-US" smtClean="0"/>
+              <a:rPr kumimoji="1" lang="ja-JP" altLang="en-US"/>
               <a:t>レベル</a:t>
             </a:r>
-            <a:endParaRPr kumimoji="1" lang="ja-JP" altLang="en-US"/>
           </a:p>
         </p:txBody>
       </p:sp>
@@ -760,10 +762,9 @@
           <a:lstStyle/>
           <a:p>
             <a:r>
-              <a:rPr kumimoji="1" lang="ja-JP" altLang="en-US" smtClean="0"/>
+              <a:rPr kumimoji="1" lang="ja-JP" altLang="en-US"/>
               <a:t>マスター タイトルの書式設定</a:t>
             </a:r>
-            <a:endParaRPr kumimoji="1" lang="ja-JP" altLang="en-US"/>
           </a:p>
         </p:txBody>
       </p:sp>
@@ -784,70 +785,69 @@
           <a:p>
             <a:pPr lvl="0"/>
             <a:r>
-              <a:rPr kumimoji="1" lang="ja-JP" altLang="en-US" smtClean="0"/>
+              <a:rPr kumimoji="1" lang="ja-JP" altLang="en-US"/>
               <a:t>マスター テキストの書式設定</a:t>
             </a:r>
           </a:p>
           <a:p>
             <a:pPr lvl="1"/>
             <a:r>
-              <a:rPr kumimoji="1" lang="ja-JP" altLang="en-US" smtClean="0"/>
+              <a:rPr kumimoji="1" lang="ja-JP" altLang="en-US"/>
               <a:t>第 </a:t>
             </a:r>
             <a:r>
-              <a:rPr kumimoji="1" lang="en-US" altLang="ja-JP" smtClean="0"/>
+              <a:rPr kumimoji="1" lang="en-US" altLang="ja-JP"/>
               <a:t>2 </a:t>
             </a:r>
             <a:r>
-              <a:rPr kumimoji="1" lang="ja-JP" altLang="en-US" smtClean="0"/>
+              <a:rPr kumimoji="1" lang="ja-JP" altLang="en-US"/>
               <a:t>レベル</a:t>
             </a:r>
           </a:p>
           <a:p>
             <a:pPr lvl="2"/>
             <a:r>
-              <a:rPr kumimoji="1" lang="ja-JP" altLang="en-US" smtClean="0"/>
+              <a:rPr kumimoji="1" lang="ja-JP" altLang="en-US"/>
               <a:t>第 </a:t>
             </a:r>
             <a:r>
-              <a:rPr kumimoji="1" lang="en-US" altLang="ja-JP" smtClean="0"/>
+              <a:rPr kumimoji="1" lang="en-US" altLang="ja-JP"/>
               <a:t>3 </a:t>
             </a:r>
             <a:r>
-              <a:rPr kumimoji="1" lang="ja-JP" altLang="en-US" smtClean="0"/>
+              <a:rPr kumimoji="1" lang="ja-JP" altLang="en-US"/>
               <a:t>レベル</a:t>
             </a:r>
           </a:p>
           <a:p>
             <a:pPr lvl="3"/>
             <a:r>
-              <a:rPr kumimoji="1" lang="ja-JP" altLang="en-US" smtClean="0"/>
+              <a:rPr kumimoji="1" lang="ja-JP" altLang="en-US"/>
               <a:t>第 </a:t>
             </a:r>
             <a:r>
-              <a:rPr kumimoji="1" lang="en-US" altLang="ja-JP" smtClean="0"/>
+              <a:rPr kumimoji="1" lang="en-US" altLang="ja-JP"/>
               <a:t>4 </a:t>
             </a:r>
             <a:r>
-              <a:rPr kumimoji="1" lang="ja-JP" altLang="en-US" smtClean="0"/>
+              <a:rPr kumimoji="1" lang="ja-JP" altLang="en-US"/>
               <a:t>レベル</a:t>
             </a:r>
           </a:p>
           <a:p>
             <a:pPr lvl="4"/>
             <a:r>
-              <a:rPr kumimoji="1" lang="ja-JP" altLang="en-US" smtClean="0"/>
+              <a:rPr kumimoji="1" lang="ja-JP" altLang="en-US"/>
               <a:t>第 </a:t>
             </a:r>
             <a:r>
-              <a:rPr kumimoji="1" lang="en-US" altLang="ja-JP" smtClean="0"/>
+              <a:rPr kumimoji="1" lang="en-US" altLang="ja-JP"/>
               <a:t>5 </a:t>
             </a:r>
             <a:r>
-              <a:rPr kumimoji="1" lang="ja-JP" altLang="en-US" smtClean="0"/>
+              <a:rPr kumimoji="1" lang="ja-JP" altLang="en-US"/>
               <a:t>レベル</a:t>
             </a:r>
-            <a:endParaRPr kumimoji="1" lang="ja-JP" altLang="en-US"/>
           </a:p>
         </p:txBody>
       </p:sp>
@@ -971,10 +971,9 @@
           </a:lstStyle>
           <a:p>
             <a:r>
-              <a:rPr kumimoji="1" lang="ja-JP" altLang="en-US" smtClean="0"/>
+              <a:rPr kumimoji="1" lang="ja-JP" altLang="en-US"/>
               <a:t>マスター タイトルの書式設定</a:t>
             </a:r>
-            <a:endParaRPr kumimoji="1" lang="ja-JP" altLang="en-US"/>
           </a:p>
         </p:txBody>
       </p:sp>
@@ -1091,7 +1090,7 @@
           <a:p>
             <a:pPr lvl="0"/>
             <a:r>
-              <a:rPr kumimoji="1" lang="ja-JP" altLang="en-US" smtClean="0"/>
+              <a:rPr kumimoji="1" lang="ja-JP" altLang="en-US"/>
               <a:t>マスター テキストの書式設定</a:t>
             </a:r>
           </a:p>
@@ -1208,10 +1207,9 @@
           <a:lstStyle/>
           <a:p>
             <a:r>
-              <a:rPr kumimoji="1" lang="ja-JP" altLang="en-US" smtClean="0"/>
+              <a:rPr kumimoji="1" lang="ja-JP" altLang="en-US"/>
               <a:t>マスター タイトルの書式設定</a:t>
             </a:r>
-            <a:endParaRPr kumimoji="1" lang="ja-JP" altLang="en-US"/>
           </a:p>
         </p:txBody>
       </p:sp>
@@ -1237,70 +1235,69 @@
           <a:p>
             <a:pPr lvl="0"/>
             <a:r>
-              <a:rPr kumimoji="1" lang="ja-JP" altLang="en-US" smtClean="0"/>
+              <a:rPr kumimoji="1" lang="ja-JP" altLang="en-US"/>
               <a:t>マスター テキストの書式設定</a:t>
             </a:r>
           </a:p>
           <a:p>
             <a:pPr lvl="1"/>
             <a:r>
-              <a:rPr kumimoji="1" lang="ja-JP" altLang="en-US" smtClean="0"/>
+              <a:rPr kumimoji="1" lang="ja-JP" altLang="en-US"/>
               <a:t>第 </a:t>
             </a:r>
             <a:r>
-              <a:rPr kumimoji="1" lang="en-US" altLang="ja-JP" smtClean="0"/>
+              <a:rPr kumimoji="1" lang="en-US" altLang="ja-JP"/>
               <a:t>2 </a:t>
             </a:r>
             <a:r>
-              <a:rPr kumimoji="1" lang="ja-JP" altLang="en-US" smtClean="0"/>
+              <a:rPr kumimoji="1" lang="ja-JP" altLang="en-US"/>
               <a:t>レベル</a:t>
             </a:r>
           </a:p>
           <a:p>
             <a:pPr lvl="2"/>
             <a:r>
-              <a:rPr kumimoji="1" lang="ja-JP" altLang="en-US" smtClean="0"/>
+              <a:rPr kumimoji="1" lang="ja-JP" altLang="en-US"/>
               <a:t>第 </a:t>
             </a:r>
             <a:r>
-              <a:rPr kumimoji="1" lang="en-US" altLang="ja-JP" smtClean="0"/>
+              <a:rPr kumimoji="1" lang="en-US" altLang="ja-JP"/>
               <a:t>3 </a:t>
             </a:r>
             <a:r>
-              <a:rPr kumimoji="1" lang="ja-JP" altLang="en-US" smtClean="0"/>
+              <a:rPr kumimoji="1" lang="ja-JP" altLang="en-US"/>
               <a:t>レベル</a:t>
             </a:r>
           </a:p>
           <a:p>
             <a:pPr lvl="3"/>
             <a:r>
-              <a:rPr kumimoji="1" lang="ja-JP" altLang="en-US" smtClean="0"/>
+              <a:rPr kumimoji="1" lang="ja-JP" altLang="en-US"/>
               <a:t>第 </a:t>
             </a:r>
             <a:r>
-              <a:rPr kumimoji="1" lang="en-US" altLang="ja-JP" smtClean="0"/>
+              <a:rPr kumimoji="1" lang="en-US" altLang="ja-JP"/>
               <a:t>4 </a:t>
             </a:r>
             <a:r>
-              <a:rPr kumimoji="1" lang="ja-JP" altLang="en-US" smtClean="0"/>
+              <a:rPr kumimoji="1" lang="ja-JP" altLang="en-US"/>
               <a:t>レベル</a:t>
             </a:r>
           </a:p>
           <a:p>
             <a:pPr lvl="4"/>
             <a:r>
-              <a:rPr kumimoji="1" lang="ja-JP" altLang="en-US" smtClean="0"/>
+              <a:rPr kumimoji="1" lang="ja-JP" altLang="en-US"/>
               <a:t>第 </a:t>
             </a:r>
             <a:r>
-              <a:rPr kumimoji="1" lang="en-US" altLang="ja-JP" smtClean="0"/>
+              <a:rPr kumimoji="1" lang="en-US" altLang="ja-JP"/>
               <a:t>5 </a:t>
             </a:r>
             <a:r>
-              <a:rPr kumimoji="1" lang="ja-JP" altLang="en-US" smtClean="0"/>
+              <a:rPr kumimoji="1" lang="ja-JP" altLang="en-US"/>
               <a:t>レベル</a:t>
             </a:r>
-            <a:endParaRPr kumimoji="1" lang="ja-JP" altLang="en-US"/>
           </a:p>
         </p:txBody>
       </p:sp>
@@ -1326,70 +1323,69 @@
           <a:p>
             <a:pPr lvl="0"/>
             <a:r>
-              <a:rPr kumimoji="1" lang="ja-JP" altLang="en-US" smtClean="0"/>
+              <a:rPr kumimoji="1" lang="ja-JP" altLang="en-US"/>
               <a:t>マスター テキストの書式設定</a:t>
             </a:r>
           </a:p>
           <a:p>
             <a:pPr lvl="1"/>
             <a:r>
-              <a:rPr kumimoji="1" lang="ja-JP" altLang="en-US" smtClean="0"/>
+              <a:rPr kumimoji="1" lang="ja-JP" altLang="en-US"/>
               <a:t>第 </a:t>
             </a:r>
             <a:r>
-              <a:rPr kumimoji="1" lang="en-US" altLang="ja-JP" smtClean="0"/>
+              <a:rPr kumimoji="1" lang="en-US" altLang="ja-JP"/>
               <a:t>2 </a:t>
             </a:r>
             <a:r>
-              <a:rPr kumimoji="1" lang="ja-JP" altLang="en-US" smtClean="0"/>
+              <a:rPr kumimoji="1" lang="ja-JP" altLang="en-US"/>
               <a:t>レベル</a:t>
             </a:r>
           </a:p>
           <a:p>
             <a:pPr lvl="2"/>
             <a:r>
-              <a:rPr kumimoji="1" lang="ja-JP" altLang="en-US" smtClean="0"/>
+              <a:rPr kumimoji="1" lang="ja-JP" altLang="en-US"/>
               <a:t>第 </a:t>
             </a:r>
             <a:r>
-              <a:rPr kumimoji="1" lang="en-US" altLang="ja-JP" smtClean="0"/>
+              <a:rPr kumimoji="1" lang="en-US" altLang="ja-JP"/>
               <a:t>3 </a:t>
             </a:r>
             <a:r>
-              <a:rPr kumimoji="1" lang="ja-JP" altLang="en-US" smtClean="0"/>
+              <a:rPr kumimoji="1" lang="ja-JP" altLang="en-US"/>
               <a:t>レベル</a:t>
             </a:r>
           </a:p>
           <a:p>
             <a:pPr lvl="3"/>
             <a:r>
-              <a:rPr kumimoji="1" lang="ja-JP" altLang="en-US" smtClean="0"/>
+              <a:rPr kumimoji="1" lang="ja-JP" altLang="en-US"/>
               <a:t>第 </a:t>
             </a:r>
             <a:r>
-              <a:rPr kumimoji="1" lang="en-US" altLang="ja-JP" smtClean="0"/>
+              <a:rPr kumimoji="1" lang="en-US" altLang="ja-JP"/>
               <a:t>4 </a:t>
             </a:r>
             <a:r>
-              <a:rPr kumimoji="1" lang="ja-JP" altLang="en-US" smtClean="0"/>
+              <a:rPr kumimoji="1" lang="ja-JP" altLang="en-US"/>
               <a:t>レベル</a:t>
             </a:r>
           </a:p>
           <a:p>
             <a:pPr lvl="4"/>
             <a:r>
-              <a:rPr kumimoji="1" lang="ja-JP" altLang="en-US" smtClean="0"/>
+              <a:rPr kumimoji="1" lang="ja-JP" altLang="en-US"/>
               <a:t>第 </a:t>
             </a:r>
             <a:r>
-              <a:rPr kumimoji="1" lang="en-US" altLang="ja-JP" smtClean="0"/>
+              <a:rPr kumimoji="1" lang="en-US" altLang="ja-JP"/>
               <a:t>5 </a:t>
             </a:r>
             <a:r>
-              <a:rPr kumimoji="1" lang="ja-JP" altLang="en-US" smtClean="0"/>
+              <a:rPr kumimoji="1" lang="ja-JP" altLang="en-US"/>
               <a:t>レベル</a:t>
             </a:r>
-            <a:endParaRPr kumimoji="1" lang="ja-JP" altLang="en-US"/>
           </a:p>
         </p:txBody>
       </p:sp>
@@ -1509,10 +1505,9 @@
           <a:lstStyle/>
           <a:p>
             <a:r>
-              <a:rPr kumimoji="1" lang="ja-JP" altLang="en-US" smtClean="0"/>
+              <a:rPr kumimoji="1" lang="ja-JP" altLang="en-US"/>
               <a:t>マスター タイトルの書式設定</a:t>
             </a:r>
-            <a:endParaRPr kumimoji="1" lang="ja-JP" altLang="en-US"/>
           </a:p>
         </p:txBody>
       </p:sp>
@@ -1575,7 +1570,7 @@
           <a:p>
             <a:pPr lvl="0"/>
             <a:r>
-              <a:rPr kumimoji="1" lang="ja-JP" altLang="en-US" smtClean="0"/>
+              <a:rPr kumimoji="1" lang="ja-JP" altLang="en-US"/>
               <a:t>マスター テキストの書式設定</a:t>
             </a:r>
           </a:p>
@@ -1603,70 +1598,69 @@
           <a:p>
             <a:pPr lvl="0"/>
             <a:r>
-              <a:rPr kumimoji="1" lang="ja-JP" altLang="en-US" smtClean="0"/>
+              <a:rPr kumimoji="1" lang="ja-JP" altLang="en-US"/>
               <a:t>マスター テキストの書式設定</a:t>
             </a:r>
           </a:p>
           <a:p>
             <a:pPr lvl="1"/>
             <a:r>
-              <a:rPr kumimoji="1" lang="ja-JP" altLang="en-US" smtClean="0"/>
+              <a:rPr kumimoji="1" lang="ja-JP" altLang="en-US"/>
               <a:t>第 </a:t>
             </a:r>
             <a:r>
-              <a:rPr kumimoji="1" lang="en-US" altLang="ja-JP" smtClean="0"/>
+              <a:rPr kumimoji="1" lang="en-US" altLang="ja-JP"/>
               <a:t>2 </a:t>
             </a:r>
             <a:r>
-              <a:rPr kumimoji="1" lang="ja-JP" altLang="en-US" smtClean="0"/>
+              <a:rPr kumimoji="1" lang="ja-JP" altLang="en-US"/>
               <a:t>レベル</a:t>
             </a:r>
           </a:p>
           <a:p>
             <a:pPr lvl="2"/>
             <a:r>
-              <a:rPr kumimoji="1" lang="ja-JP" altLang="en-US" smtClean="0"/>
+              <a:rPr kumimoji="1" lang="ja-JP" altLang="en-US"/>
               <a:t>第 </a:t>
             </a:r>
             <a:r>
-              <a:rPr kumimoji="1" lang="en-US" altLang="ja-JP" smtClean="0"/>
+              <a:rPr kumimoji="1" lang="en-US" altLang="ja-JP"/>
               <a:t>3 </a:t>
             </a:r>
             <a:r>
-              <a:rPr kumimoji="1" lang="ja-JP" altLang="en-US" smtClean="0"/>
+              <a:rPr kumimoji="1" lang="ja-JP" altLang="en-US"/>
               <a:t>レベル</a:t>
             </a:r>
           </a:p>
           <a:p>
             <a:pPr lvl="3"/>
             <a:r>
-              <a:rPr kumimoji="1" lang="ja-JP" altLang="en-US" smtClean="0"/>
+              <a:rPr kumimoji="1" lang="ja-JP" altLang="en-US"/>
               <a:t>第 </a:t>
             </a:r>
             <a:r>
-              <a:rPr kumimoji="1" lang="en-US" altLang="ja-JP" smtClean="0"/>
+              <a:rPr kumimoji="1" lang="en-US" altLang="ja-JP"/>
               <a:t>4 </a:t>
             </a:r>
             <a:r>
-              <a:rPr kumimoji="1" lang="ja-JP" altLang="en-US" smtClean="0"/>
+              <a:rPr kumimoji="1" lang="ja-JP" altLang="en-US"/>
               <a:t>レベル</a:t>
             </a:r>
           </a:p>
           <a:p>
             <a:pPr lvl="4"/>
             <a:r>
-              <a:rPr kumimoji="1" lang="ja-JP" altLang="en-US" smtClean="0"/>
+              <a:rPr kumimoji="1" lang="ja-JP" altLang="en-US"/>
               <a:t>第 </a:t>
             </a:r>
             <a:r>
-              <a:rPr kumimoji="1" lang="en-US" altLang="ja-JP" smtClean="0"/>
+              <a:rPr kumimoji="1" lang="en-US" altLang="ja-JP"/>
               <a:t>5 </a:t>
             </a:r>
             <a:r>
-              <a:rPr kumimoji="1" lang="ja-JP" altLang="en-US" smtClean="0"/>
+              <a:rPr kumimoji="1" lang="ja-JP" altLang="en-US"/>
               <a:t>レベル</a:t>
             </a:r>
-            <a:endParaRPr kumimoji="1" lang="ja-JP" altLang="en-US"/>
           </a:p>
         </p:txBody>
       </p:sp>
@@ -1729,7 +1723,7 @@
           <a:p>
             <a:pPr lvl="0"/>
             <a:r>
-              <a:rPr kumimoji="1" lang="ja-JP" altLang="en-US" smtClean="0"/>
+              <a:rPr kumimoji="1" lang="ja-JP" altLang="en-US"/>
               <a:t>マスター テキストの書式設定</a:t>
             </a:r>
           </a:p>
@@ -1757,70 +1751,69 @@
           <a:p>
             <a:pPr lvl="0"/>
             <a:r>
-              <a:rPr kumimoji="1" lang="ja-JP" altLang="en-US" smtClean="0"/>
+              <a:rPr kumimoji="1" lang="ja-JP" altLang="en-US"/>
               <a:t>マスター テキストの書式設定</a:t>
             </a:r>
           </a:p>
           <a:p>
             <a:pPr lvl="1"/>
             <a:r>
-              <a:rPr kumimoji="1" lang="ja-JP" altLang="en-US" smtClean="0"/>
+              <a:rPr kumimoji="1" lang="ja-JP" altLang="en-US"/>
               <a:t>第 </a:t>
             </a:r>
             <a:r>
-              <a:rPr kumimoji="1" lang="en-US" altLang="ja-JP" smtClean="0"/>
+              <a:rPr kumimoji="1" lang="en-US" altLang="ja-JP"/>
               <a:t>2 </a:t>
             </a:r>
             <a:r>
-              <a:rPr kumimoji="1" lang="ja-JP" altLang="en-US" smtClean="0"/>
+              <a:rPr kumimoji="1" lang="ja-JP" altLang="en-US"/>
               <a:t>レベル</a:t>
             </a:r>
           </a:p>
           <a:p>
             <a:pPr lvl="2"/>
             <a:r>
-              <a:rPr kumimoji="1" lang="ja-JP" altLang="en-US" smtClean="0"/>
+              <a:rPr kumimoji="1" lang="ja-JP" altLang="en-US"/>
               <a:t>第 </a:t>
             </a:r>
             <a:r>
-              <a:rPr kumimoji="1" lang="en-US" altLang="ja-JP" smtClean="0"/>
+              <a:rPr kumimoji="1" lang="en-US" altLang="ja-JP"/>
               <a:t>3 </a:t>
             </a:r>
             <a:r>
-              <a:rPr kumimoji="1" lang="ja-JP" altLang="en-US" smtClean="0"/>
+              <a:rPr kumimoji="1" lang="ja-JP" altLang="en-US"/>
               <a:t>レベル</a:t>
             </a:r>
           </a:p>
           <a:p>
             <a:pPr lvl="3"/>
             <a:r>
-              <a:rPr kumimoji="1" lang="ja-JP" altLang="en-US" smtClean="0"/>
+              <a:rPr kumimoji="1" lang="ja-JP" altLang="en-US"/>
               <a:t>第 </a:t>
             </a:r>
             <a:r>
-              <a:rPr kumimoji="1" lang="en-US" altLang="ja-JP" smtClean="0"/>
+              <a:rPr kumimoji="1" lang="en-US" altLang="ja-JP"/>
               <a:t>4 </a:t>
             </a:r>
             <a:r>
-              <a:rPr kumimoji="1" lang="ja-JP" altLang="en-US" smtClean="0"/>
+              <a:rPr kumimoji="1" lang="ja-JP" altLang="en-US"/>
               <a:t>レベル</a:t>
             </a:r>
           </a:p>
           <a:p>
             <a:pPr lvl="4"/>
             <a:r>
-              <a:rPr kumimoji="1" lang="ja-JP" altLang="en-US" smtClean="0"/>
+              <a:rPr kumimoji="1" lang="ja-JP" altLang="en-US"/>
               <a:t>第 </a:t>
             </a:r>
             <a:r>
-              <a:rPr kumimoji="1" lang="en-US" altLang="ja-JP" smtClean="0"/>
+              <a:rPr kumimoji="1" lang="en-US" altLang="ja-JP"/>
               <a:t>5 </a:t>
             </a:r>
             <a:r>
-              <a:rPr kumimoji="1" lang="ja-JP" altLang="en-US" smtClean="0"/>
+              <a:rPr kumimoji="1" lang="ja-JP" altLang="en-US"/>
               <a:t>レベル</a:t>
             </a:r>
-            <a:endParaRPr kumimoji="1" lang="ja-JP" altLang="en-US"/>
           </a:p>
         </p:txBody>
       </p:sp>
@@ -1935,10 +1928,9 @@
           <a:lstStyle/>
           <a:p>
             <a:r>
-              <a:rPr kumimoji="1" lang="ja-JP" altLang="en-US" smtClean="0"/>
+              <a:rPr kumimoji="1" lang="ja-JP" altLang="en-US"/>
               <a:t>マスター タイトルの書式設定</a:t>
             </a:r>
-            <a:endParaRPr kumimoji="1" lang="ja-JP" altLang="en-US"/>
           </a:p>
         </p:txBody>
       </p:sp>
@@ -2157,10 +2149,9 @@
           </a:lstStyle>
           <a:p>
             <a:r>
-              <a:rPr kumimoji="1" lang="ja-JP" altLang="en-US" smtClean="0"/>
+              <a:rPr kumimoji="1" lang="ja-JP" altLang="en-US"/>
               <a:t>マスター タイトルの書式設定</a:t>
             </a:r>
-            <a:endParaRPr kumimoji="1" lang="ja-JP" altLang="en-US"/>
           </a:p>
         </p:txBody>
       </p:sp>
@@ -2214,70 +2205,69 @@
           <a:p>
             <a:pPr lvl="0"/>
             <a:r>
-              <a:rPr kumimoji="1" lang="ja-JP" altLang="en-US" smtClean="0"/>
+              <a:rPr kumimoji="1" lang="ja-JP" altLang="en-US"/>
               <a:t>マスター テキストの書式設定</a:t>
             </a:r>
           </a:p>
           <a:p>
             <a:pPr lvl="1"/>
             <a:r>
-              <a:rPr kumimoji="1" lang="ja-JP" altLang="en-US" smtClean="0"/>
+              <a:rPr kumimoji="1" lang="ja-JP" altLang="en-US"/>
               <a:t>第 </a:t>
             </a:r>
             <a:r>
-              <a:rPr kumimoji="1" lang="en-US" altLang="ja-JP" smtClean="0"/>
+              <a:rPr kumimoji="1" lang="en-US" altLang="ja-JP"/>
               <a:t>2 </a:t>
             </a:r>
             <a:r>
-              <a:rPr kumimoji="1" lang="ja-JP" altLang="en-US" smtClean="0"/>
+              <a:rPr kumimoji="1" lang="ja-JP" altLang="en-US"/>
               <a:t>レベル</a:t>
             </a:r>
           </a:p>
           <a:p>
             <a:pPr lvl="2"/>
             <a:r>
-              <a:rPr kumimoji="1" lang="ja-JP" altLang="en-US" smtClean="0"/>
+              <a:rPr kumimoji="1" lang="ja-JP" altLang="en-US"/>
               <a:t>第 </a:t>
             </a:r>
             <a:r>
-              <a:rPr kumimoji="1" lang="en-US" altLang="ja-JP" smtClean="0"/>
+              <a:rPr kumimoji="1" lang="en-US" altLang="ja-JP"/>
               <a:t>3 </a:t>
             </a:r>
             <a:r>
-              <a:rPr kumimoji="1" lang="ja-JP" altLang="en-US" smtClean="0"/>
+              <a:rPr kumimoji="1" lang="ja-JP" altLang="en-US"/>
               <a:t>レベル</a:t>
             </a:r>
           </a:p>
           <a:p>
             <a:pPr lvl="3"/>
             <a:r>
-              <a:rPr kumimoji="1" lang="ja-JP" altLang="en-US" smtClean="0"/>
+              <a:rPr kumimoji="1" lang="ja-JP" altLang="en-US"/>
               <a:t>第 </a:t>
             </a:r>
             <a:r>
-              <a:rPr kumimoji="1" lang="en-US" altLang="ja-JP" smtClean="0"/>
+              <a:rPr kumimoji="1" lang="en-US" altLang="ja-JP"/>
               <a:t>4 </a:t>
             </a:r>
             <a:r>
-              <a:rPr kumimoji="1" lang="ja-JP" altLang="en-US" smtClean="0"/>
+              <a:rPr kumimoji="1" lang="ja-JP" altLang="en-US"/>
               <a:t>レベル</a:t>
             </a:r>
           </a:p>
           <a:p>
             <a:pPr lvl="4"/>
             <a:r>
-              <a:rPr kumimoji="1" lang="ja-JP" altLang="en-US" smtClean="0"/>
+              <a:rPr kumimoji="1" lang="ja-JP" altLang="en-US"/>
               <a:t>第 </a:t>
             </a:r>
             <a:r>
-              <a:rPr kumimoji="1" lang="en-US" altLang="ja-JP" smtClean="0"/>
+              <a:rPr kumimoji="1" lang="en-US" altLang="ja-JP"/>
               <a:t>5 </a:t>
             </a:r>
             <a:r>
-              <a:rPr kumimoji="1" lang="ja-JP" altLang="en-US" smtClean="0"/>
+              <a:rPr kumimoji="1" lang="ja-JP" altLang="en-US"/>
               <a:t>レベル</a:t>
             </a:r>
-            <a:endParaRPr kumimoji="1" lang="ja-JP" altLang="en-US"/>
           </a:p>
         </p:txBody>
       </p:sp>
@@ -2340,7 +2330,7 @@
           <a:p>
             <a:pPr lvl="0"/>
             <a:r>
-              <a:rPr kumimoji="1" lang="ja-JP" altLang="en-US" smtClean="0"/>
+              <a:rPr kumimoji="1" lang="ja-JP" altLang="en-US"/>
               <a:t>マスター テキストの書式設定</a:t>
             </a:r>
           </a:p>
@@ -2466,10 +2456,9 @@
           </a:lstStyle>
           <a:p>
             <a:r>
-              <a:rPr kumimoji="1" lang="ja-JP" altLang="en-US" smtClean="0"/>
+              <a:rPr kumimoji="1" lang="ja-JP" altLang="en-US"/>
               <a:t>マスター タイトルの書式設定</a:t>
             </a:r>
-            <a:endParaRPr kumimoji="1" lang="ja-JP" altLang="en-US"/>
           </a:p>
         </p:txBody>
       </p:sp>
@@ -2593,7 +2582,7 @@
           <a:p>
             <a:pPr lvl="0"/>
             <a:r>
-              <a:rPr kumimoji="1" lang="ja-JP" altLang="en-US" smtClean="0"/>
+              <a:rPr kumimoji="1" lang="ja-JP" altLang="en-US"/>
               <a:t>マスター テキストの書式設定</a:t>
             </a:r>
           </a:p>
@@ -2725,10 +2714,9 @@
           <a:lstStyle/>
           <a:p>
             <a:r>
-              <a:rPr kumimoji="1" lang="ja-JP" altLang="en-US" smtClean="0"/>
+              <a:rPr kumimoji="1" lang="ja-JP" altLang="en-US"/>
               <a:t>マスター タイトルの書式設定</a:t>
             </a:r>
-            <a:endParaRPr kumimoji="1" lang="ja-JP" altLang="en-US"/>
           </a:p>
         </p:txBody>
       </p:sp>
@@ -2759,70 +2747,69 @@
           <a:p>
             <a:pPr lvl="0"/>
             <a:r>
-              <a:rPr kumimoji="1" lang="ja-JP" altLang="en-US" smtClean="0"/>
+              <a:rPr kumimoji="1" lang="ja-JP" altLang="en-US"/>
               <a:t>マスター テキストの書式設定</a:t>
             </a:r>
           </a:p>
           <a:p>
             <a:pPr lvl="1"/>
             <a:r>
-              <a:rPr kumimoji="1" lang="ja-JP" altLang="en-US" smtClean="0"/>
+              <a:rPr kumimoji="1" lang="ja-JP" altLang="en-US"/>
               <a:t>第 </a:t>
             </a:r>
             <a:r>
-              <a:rPr kumimoji="1" lang="en-US" altLang="ja-JP" smtClean="0"/>
+              <a:rPr kumimoji="1" lang="en-US" altLang="ja-JP"/>
               <a:t>2 </a:t>
             </a:r>
             <a:r>
-              <a:rPr kumimoji="1" lang="ja-JP" altLang="en-US" smtClean="0"/>
+              <a:rPr kumimoji="1" lang="ja-JP" altLang="en-US"/>
               <a:t>レベル</a:t>
             </a:r>
           </a:p>
           <a:p>
             <a:pPr lvl="2"/>
             <a:r>
-              <a:rPr kumimoji="1" lang="ja-JP" altLang="en-US" smtClean="0"/>
+              <a:rPr kumimoji="1" lang="ja-JP" altLang="en-US"/>
               <a:t>第 </a:t>
             </a:r>
             <a:r>
-              <a:rPr kumimoji="1" lang="en-US" altLang="ja-JP" smtClean="0"/>
+              <a:rPr kumimoji="1" lang="en-US" altLang="ja-JP"/>
               <a:t>3 </a:t>
             </a:r>
             <a:r>
-              <a:rPr kumimoji="1" lang="ja-JP" altLang="en-US" smtClean="0"/>
+              <a:rPr kumimoji="1" lang="ja-JP" altLang="en-US"/>
               <a:t>レベル</a:t>
             </a:r>
           </a:p>
           <a:p>
             <a:pPr lvl="3"/>
             <a:r>
-              <a:rPr kumimoji="1" lang="ja-JP" altLang="en-US" smtClean="0"/>
+              <a:rPr kumimoji="1" lang="ja-JP" altLang="en-US"/>
               <a:t>第 </a:t>
             </a:r>
             <a:r>
-              <a:rPr kumimoji="1" lang="en-US" altLang="ja-JP" smtClean="0"/>
+              <a:rPr kumimoji="1" lang="en-US" altLang="ja-JP"/>
               <a:t>4 </a:t>
             </a:r>
             <a:r>
-              <a:rPr kumimoji="1" lang="ja-JP" altLang="en-US" smtClean="0"/>
+              <a:rPr kumimoji="1" lang="ja-JP" altLang="en-US"/>
               <a:t>レベル</a:t>
             </a:r>
           </a:p>
           <a:p>
             <a:pPr lvl="4"/>
             <a:r>
-              <a:rPr kumimoji="1" lang="ja-JP" altLang="en-US" smtClean="0"/>
+              <a:rPr kumimoji="1" lang="ja-JP" altLang="en-US"/>
               <a:t>第 </a:t>
             </a:r>
             <a:r>
-              <a:rPr kumimoji="1" lang="en-US" altLang="ja-JP" smtClean="0"/>
+              <a:rPr kumimoji="1" lang="en-US" altLang="ja-JP"/>
               <a:t>5 </a:t>
             </a:r>
             <a:r>
-              <a:rPr kumimoji="1" lang="ja-JP" altLang="en-US" smtClean="0"/>
+              <a:rPr kumimoji="1" lang="ja-JP" altLang="en-US"/>
               <a:t>レベル</a:t>
             </a:r>
-            <a:endParaRPr kumimoji="1" lang="ja-JP" altLang="en-US"/>
           </a:p>
         </p:txBody>
       </p:sp>
@@ -3284,7 +3271,7 @@
           <a:lstStyle/>
           <a:p>
             <a:r>
-              <a:rPr kumimoji="1" lang="ja-JP" altLang="en-US" sz="6600" b="1" dirty="0" smtClean="0">
+              <a:rPr kumimoji="1" lang="ja-JP" altLang="en-US" sz="6600" b="1" dirty="0">
                 <a:solidFill>
                   <a:schemeClr val="accent1">
                     <a:lumMod val="75000"/>
@@ -3293,13 +3280,6 @@
               </a:rPr>
               <a:t>フェンビー</a:t>
             </a:r>
-            <a:endParaRPr kumimoji="1" lang="ja-JP" altLang="en-US" sz="6600" b="1" dirty="0">
-              <a:solidFill>
-                <a:schemeClr val="accent1">
-                  <a:lumMod val="75000"/>
-                </a:schemeClr>
-              </a:solidFill>
-            </a:endParaRPr>
           </a:p>
         </p:txBody>
       </p:sp>
@@ -3321,29 +3301,29 @@
           <a:lstStyle/>
           <a:p>
             <a:r>
-              <a:rPr lang="ja-JP" altLang="en-US" sz="4400" dirty="0" smtClean="0"/>
+              <a:rPr lang="ja-JP" altLang="en-US" sz="4400" dirty="0"/>
               <a:t>ゲーム専攻　</a:t>
             </a:r>
             <a:r>
-              <a:rPr lang="en-US" altLang="ja-JP" sz="4400" dirty="0" smtClean="0"/>
+              <a:rPr lang="en-US" altLang="ja-JP" sz="4400" dirty="0"/>
               <a:t>3</a:t>
             </a:r>
             <a:r>
-              <a:rPr lang="ja-JP" altLang="en-US" sz="4400" dirty="0" smtClean="0"/>
+              <a:rPr lang="ja-JP" altLang="en-US" sz="4400" dirty="0"/>
               <a:t>年　米田幸大</a:t>
             </a:r>
-            <a:endParaRPr lang="en-US" altLang="ja-JP" sz="4400" dirty="0" smtClean="0"/>
-          </a:p>
-          <a:p>
-            <a:r>
-              <a:rPr kumimoji="1" lang="ja-JP" altLang="en-US" sz="4400" dirty="0" smtClean="0"/>
+            <a:endParaRPr lang="en-US" altLang="ja-JP" sz="4400" dirty="0"/>
+          </a:p>
+          <a:p>
+            <a:r>
+              <a:rPr kumimoji="1" lang="ja-JP" altLang="en-US" sz="4400" dirty="0"/>
               <a:t>ゲーム専攻　３年　宮本陸人</a:t>
             </a:r>
-            <a:endParaRPr kumimoji="1" lang="en-US" altLang="ja-JP" sz="4400" dirty="0" smtClean="0"/>
-          </a:p>
-          <a:p>
-            <a:r>
-              <a:rPr lang="ja-JP" altLang="en-US" sz="4400" dirty="0" smtClean="0"/>
+            <a:endParaRPr kumimoji="1" lang="en-US" altLang="ja-JP" sz="4400" dirty="0"/>
+          </a:p>
+          <a:p>
+            <a:r>
+              <a:rPr lang="ja-JP" altLang="en-US" sz="4400" dirty="0"/>
               <a:t>ゲーム専攻　３年　大木猛史</a:t>
             </a:r>
             <a:endParaRPr kumimoji="1" lang="ja-JP" altLang="en-US" sz="4400" dirty="0"/>
@@ -3456,7 +3436,7 @@
           <a:lstStyle/>
           <a:p>
             <a:r>
-              <a:rPr lang="ja-JP" altLang="en-US" b="1" dirty="0" smtClean="0">
+              <a:rPr lang="ja-JP" altLang="en-US" b="1" dirty="0">
                 <a:solidFill>
                   <a:schemeClr val="accent1">
                     <a:lumMod val="75000"/>
@@ -3485,48 +3465,49 @@
             <p:ph idx="1"/>
           </p:nvPr>
         </p:nvSpPr>
-        <p:spPr/>
-        <p:txBody>
-          <a:bodyPr>
+        <p:spPr>
+          <a:xfrm>
+            <a:off x="838200" y="1825625"/>
+            <a:ext cx="10685929" cy="4351338"/>
+          </a:xfrm>
+        </p:spPr>
+        <p:txBody>
+          <a:bodyPr vert="horz" lIns="91440" tIns="45720" rIns="91440" bIns="45720" rtlCol="0" anchor="t">
             <a:normAutofit/>
           </a:bodyPr>
           <a:lstStyle/>
           <a:p>
             <a:pPr lvl="1"/>
             <a:r>
+              <a:rPr lang="ja-JP" altLang="en-US" sz="4800">
+                <a:ea typeface="游ゴシック"/>
+              </a:rPr>
+              <a:t>敵をすべて倒すとゲームクリア！！</a:t>
+            </a:r>
+            <a:endParaRPr lang="en-US" altLang="ja-JP" sz="4800">
+              <a:ea typeface="游ゴシック"/>
+            </a:endParaRPr>
+          </a:p>
+          <a:p>
+            <a:pPr marL="457200" lvl="1" indent="0">
+              <a:buNone/>
+            </a:pPr>
+            <a:endParaRPr lang="en-US" altLang="ja-JP" sz="4800" dirty="0"/>
+          </a:p>
+          <a:p>
+            <a:pPr lvl="1"/>
+            <a:r>
               <a:rPr lang="ja-JP" altLang="en-US" sz="4800" dirty="0"/>
-              <a:t>敵</a:t>
-            </a:r>
-            <a:r>
-              <a:rPr lang="ja-JP" altLang="en-US" sz="4800" dirty="0" smtClean="0"/>
-              <a:t>をすべて倒すとゲームクア！！</a:t>
-            </a:r>
-            <a:endParaRPr lang="en-US" altLang="ja-JP" sz="4800" dirty="0" smtClean="0"/>
+              <a:t>敵にふれるとゲームオーバー</a:t>
+            </a:r>
+            <a:endParaRPr lang="en-US" altLang="ja-JP" sz="4800" dirty="0"/>
           </a:p>
           <a:p>
             <a:pPr marL="457200" lvl="1" indent="0">
               <a:buNone/>
             </a:pPr>
-            <a:endParaRPr lang="en-US" altLang="ja-JP" sz="4800" dirty="0" smtClean="0"/>
-          </a:p>
-          <a:p>
-            <a:pPr lvl="1"/>
             <a:r>
               <a:rPr lang="ja-JP" altLang="en-US" sz="4800" dirty="0"/>
-              <a:t>敵</a:t>
-            </a:r>
-            <a:r>
-              <a:rPr lang="ja-JP" altLang="en-US" sz="4800" dirty="0" smtClean="0"/>
-              <a:t>にふれるとゲームオーバー</a:t>
-            </a:r>
-            <a:endParaRPr lang="en-US" altLang="ja-JP" sz="4800" dirty="0" smtClean="0"/>
-          </a:p>
-          <a:p>
-            <a:pPr marL="457200" lvl="1" indent="0">
-              <a:buNone/>
-            </a:pPr>
-            <a:r>
-              <a:rPr lang="ja-JP" altLang="en-US" sz="4800" dirty="0" smtClean="0"/>
               <a:t>になる</a:t>
             </a:r>
             <a:endParaRPr kumimoji="1" lang="ja-JP" altLang="en-US" sz="4800" dirty="0"/>
@@ -3555,7 +3536,7 @@
         </p:blipFill>
         <p:spPr>
           <a:xfrm>
-            <a:off x="5495004" y="3752469"/>
+            <a:off x="5737051" y="3752469"/>
             <a:ext cx="3105531" cy="3105531"/>
           </a:xfrm>
           <a:prstGeom prst="rect">
@@ -3609,16 +3590,6 @@
           <a:lstStyle/>
           <a:p>
             <a:r>
-              <a:rPr lang="ja-JP" altLang="en-US" b="1" dirty="0" smtClean="0">
-                <a:solidFill>
-                  <a:schemeClr val="accent1">
-                    <a:lumMod val="75000"/>
-                  </a:schemeClr>
-                </a:solidFill>
-              </a:rPr>
-              <a:t>ゲーム</a:t>
-            </a:r>
-            <a:r>
               <a:rPr lang="ja-JP" altLang="en-US" b="1" dirty="0">
                 <a:solidFill>
                   <a:schemeClr val="accent1">
@@ -3626,7 +3597,7 @@
                   </a:schemeClr>
                 </a:solidFill>
               </a:rPr>
-              <a:t>ルール</a:t>
+              <a:t>ゲームルール</a:t>
             </a:r>
             <a:endParaRPr kumimoji="1" lang="ja-JP" altLang="en-US" b="1" dirty="0">
               <a:solidFill>
@@ -3655,81 +3626,49 @@
           <a:p>
             <a:r>
               <a:rPr lang="ja-JP" altLang="en-US" dirty="0"/>
-              <a:t>全部</a:t>
-            </a:r>
-            <a:r>
-              <a:rPr lang="ja-JP" altLang="en-US" dirty="0" smtClean="0"/>
-              <a:t>で３ステージで構成されていて浅い、中間　、深い海をイメージで作業しています。</a:t>
-            </a:r>
-            <a:endParaRPr lang="en-US" altLang="ja-JP" dirty="0" smtClean="0"/>
-          </a:p>
-          <a:p>
-            <a:r>
-              <a:rPr lang="ja-JP" altLang="en-US" dirty="0" smtClean="0"/>
+              <a:t>全部で３ステージで構成されていて浅い、中間　、深い海をイメージで作業しています。</a:t>
+            </a:r>
+            <a:endParaRPr lang="en-US" altLang="ja-JP" dirty="0"/>
+          </a:p>
+          <a:p>
+            <a:r>
+              <a:rPr lang="ja-JP" altLang="en-US" dirty="0"/>
               <a:t>ライフを酸素に見立てて時間が経過するとライフが減っていきます。</a:t>
             </a:r>
-            <a:endParaRPr lang="en-US" altLang="ja-JP" dirty="0" smtClean="0"/>
+            <a:endParaRPr lang="en-US" altLang="ja-JP" dirty="0"/>
           </a:p>
           <a:p>
             <a:r>
               <a:rPr lang="ja-JP" altLang="en-US" dirty="0"/>
-              <a:t>ライフ</a:t>
-            </a:r>
-            <a:r>
-              <a:rPr lang="ja-JP" altLang="en-US" dirty="0" smtClean="0"/>
-              <a:t>を回復するにはて</a:t>
-            </a:r>
-            <a:r>
-              <a:rPr lang="ja-JP" altLang="en-US" dirty="0" err="1" smtClean="0"/>
+              <a:t>ライフを回復するにはて</a:t>
+            </a:r>
+            <a:r>
+              <a:rPr lang="ja-JP" altLang="en-US" dirty="0" err="1"/>
               <a:t>きを</a:t>
             </a:r>
             <a:r>
-              <a:rPr lang="ja-JP" altLang="en-US" dirty="0" smtClean="0"/>
+              <a:rPr lang="ja-JP" altLang="en-US" dirty="0"/>
               <a:t>倒していく必要があります。</a:t>
             </a:r>
-            <a:endParaRPr lang="en-US" altLang="ja-JP" dirty="0" smtClean="0"/>
-          </a:p>
-          <a:p>
-            <a:r>
-              <a:rPr lang="ja-JP" altLang="en-US" dirty="0" smtClean="0"/>
-              <a:t>マップ</a:t>
-            </a:r>
+            <a:endParaRPr lang="en-US" altLang="ja-JP" dirty="0"/>
+          </a:p>
+          <a:p>
             <a:r>
               <a:rPr lang="ja-JP" altLang="en-US" dirty="0"/>
-              <a:t>上</a:t>
-            </a:r>
-            <a:r>
-              <a:rPr lang="ja-JP" altLang="en-US" dirty="0" smtClean="0"/>
-              <a:t>に泡が出現することがあります。それをとるとライフを回復できます。</a:t>
-            </a:r>
-            <a:endParaRPr lang="en-US" altLang="ja-JP" dirty="0" smtClean="0"/>
-          </a:p>
-          <a:p>
-            <a:r>
-              <a:rPr kumimoji="1" lang="ja-JP" altLang="en-US" dirty="0" smtClean="0"/>
-              <a:t>すべての</a:t>
-            </a:r>
+              <a:t>マップ上に泡が出現することがあります。それをとるとライフを回復できます。</a:t>
+            </a:r>
+            <a:endParaRPr lang="en-US" altLang="ja-JP" dirty="0"/>
+          </a:p>
+          <a:p>
             <a:r>
               <a:rPr kumimoji="1" lang="ja-JP" altLang="en-US" dirty="0"/>
-              <a:t>敵</a:t>
-            </a:r>
-            <a:r>
-              <a:rPr kumimoji="1" lang="ja-JP" altLang="en-US" dirty="0" smtClean="0"/>
-              <a:t>を</a:t>
-            </a:r>
-            <a:r>
-              <a:rPr kumimoji="1" lang="ja-JP" altLang="en-US" dirty="0"/>
-              <a:t>倒</a:t>
-            </a:r>
-            <a:r>
-              <a:rPr kumimoji="1" lang="ja-JP" altLang="en-US" dirty="0" smtClean="0"/>
-              <a:t>すと</a:t>
-            </a:r>
-            <a:r>
-              <a:rPr lang="ja-JP" altLang="en-US" dirty="0" smtClean="0"/>
+              <a:t>すべての敵を倒すと</a:t>
+            </a:r>
+            <a:r>
+              <a:rPr lang="ja-JP" altLang="en-US" dirty="0"/>
               <a:t>ステージクリアになります。</a:t>
             </a:r>
-            <a:endParaRPr lang="en-US" altLang="ja-JP" dirty="0" smtClean="0"/>
+            <a:endParaRPr lang="en-US" altLang="ja-JP" dirty="0"/>
           </a:p>
           <a:p>
             <a:endParaRPr kumimoji="1" lang="ja-JP" altLang="en-US" dirty="0"/>
@@ -3812,7 +3751,7 @@
           <a:lstStyle/>
           <a:p>
             <a:r>
-              <a:rPr kumimoji="1" lang="ja-JP" altLang="en-US" b="1" dirty="0" smtClean="0">
+              <a:rPr kumimoji="1" lang="ja-JP" altLang="en-US" b="1" dirty="0">
                 <a:solidFill>
                   <a:schemeClr val="accent1">
                     <a:lumMod val="75000"/>
@@ -3821,13 +3760,6 @@
               </a:rPr>
               <a:t>テーマ</a:t>
             </a:r>
-            <a:endParaRPr kumimoji="1" lang="ja-JP" altLang="en-US" b="1" dirty="0">
-              <a:solidFill>
-                <a:schemeClr val="accent1">
-                  <a:lumMod val="75000"/>
-                </a:schemeClr>
-              </a:solidFill>
-            </a:endParaRPr>
           </a:p>
         </p:txBody>
       </p:sp>
@@ -3852,28 +3784,19 @@
               <a:buNone/>
             </a:pPr>
             <a:r>
-              <a:rPr lang="ja-JP" altLang="en-US" sz="4400" dirty="0" smtClean="0"/>
-              <a:t>もうすぐに</a:t>
-            </a:r>
-            <a:r>
               <a:rPr lang="ja-JP" altLang="en-US" sz="4400" dirty="0"/>
-              <a:t>夏</a:t>
-            </a:r>
-            <a:r>
-              <a:rPr lang="ja-JP" altLang="en-US" sz="4400" dirty="0" smtClean="0"/>
-              <a:t>が来ます。夏といえばなにか？と考えたときに真っ先に思い付いたのがイカ焼きでした。</a:t>
-            </a:r>
-            <a:endParaRPr lang="en-US" altLang="ja-JP" sz="4400" dirty="0" smtClean="0"/>
+              <a:t>もうすぐに夏が来ます。夏といえばなにか？と考えたときに真っ先に思い付いたのがイカ焼きでした。</a:t>
+            </a:r>
+            <a:endParaRPr lang="en-US" altLang="ja-JP" sz="4400" dirty="0"/>
           </a:p>
           <a:p>
             <a:pPr marL="0" indent="0">
               <a:buNone/>
             </a:pPr>
             <a:r>
-              <a:rPr kumimoji="1" lang="ja-JP" altLang="en-US" sz="4400" dirty="0" smtClean="0"/>
+              <a:rPr kumimoji="1" lang="ja-JP" altLang="en-US" sz="4400" dirty="0"/>
               <a:t>イカ焼きと言ったら、何からくると連想していき海にたどり着き海をテーマにしたゲームを作ろうと考えました。</a:t>
             </a:r>
-            <a:endParaRPr kumimoji="1" lang="ja-JP" altLang="en-US" sz="4400" dirty="0"/>
           </a:p>
         </p:txBody>
       </p:sp>
@@ -3960,17 +3883,7 @@
                   </a:schemeClr>
                 </a:solidFill>
               </a:rPr>
-              <a:t>ストーリ</a:t>
-            </a:r>
-            <a:r>
-              <a:rPr lang="ja-JP" altLang="en-US" b="1" dirty="0" smtClean="0">
-                <a:solidFill>
-                  <a:schemeClr val="accent1">
-                    <a:lumMod val="75000"/>
-                  </a:schemeClr>
-                </a:solidFill>
-              </a:rPr>
-              <a:t>ー</a:t>
+              <a:t>ストーリー</a:t>
             </a:r>
             <a:endParaRPr kumimoji="1" lang="ja-JP" altLang="en-US" b="1" dirty="0">
               <a:solidFill>
@@ -4000,56 +3913,27 @@
           <a:lstStyle/>
           <a:p>
             <a:r>
-              <a:rPr lang="ja-JP" altLang="en-US" sz="5400" dirty="0" smtClean="0"/>
+              <a:rPr lang="ja-JP" altLang="en-US" sz="5400" dirty="0"/>
               <a:t>海に突如イカが大量発生した。</a:t>
             </a:r>
-            <a:endParaRPr lang="en-US" altLang="ja-JP" sz="5400" dirty="0" smtClean="0"/>
-          </a:p>
-          <a:p>
-            <a:r>
-              <a:rPr kumimoji="1" lang="ja-JP" altLang="en-US" sz="5400" dirty="0" smtClean="0"/>
-              <a:t>これを</a:t>
-            </a:r>
+            <a:endParaRPr lang="en-US" altLang="ja-JP" sz="5400" dirty="0"/>
+          </a:p>
+          <a:p>
             <a:r>
               <a:rPr kumimoji="1" lang="ja-JP" altLang="en-US" sz="5400" dirty="0"/>
-              <a:t>駆逐</a:t>
-            </a:r>
-            <a:r>
-              <a:rPr kumimoji="1" lang="ja-JP" altLang="en-US" sz="5400" dirty="0" smtClean="0"/>
-              <a:t>するのが対イカ専門駆逐潜水</a:t>
-            </a:r>
-            <a:r>
-              <a:rPr lang="ja-JP" altLang="en-US" sz="5400" dirty="0" smtClean="0"/>
+              <a:t>これを駆逐するのが対イカ専門駆逐潜水</a:t>
+            </a:r>
+            <a:r>
+              <a:rPr lang="ja-JP" altLang="en-US" sz="5400" dirty="0"/>
               <a:t>艇フェンビー</a:t>
             </a:r>
-            <a:endParaRPr lang="en-US" altLang="ja-JP" sz="5400" dirty="0" smtClean="0"/>
+            <a:endParaRPr lang="en-US" altLang="ja-JP" sz="5400" dirty="0"/>
           </a:p>
           <a:p>
             <a:r>
               <a:rPr kumimoji="1" lang="ja-JP" altLang="en-US" sz="5400" dirty="0"/>
-              <a:t>海</a:t>
-            </a:r>
-            <a:r>
-              <a:rPr kumimoji="1" lang="ja-JP" altLang="en-US" sz="5400" dirty="0" smtClean="0"/>
-              <a:t>の</a:t>
-            </a:r>
-            <a:r>
-              <a:rPr kumimoji="1" lang="ja-JP" altLang="en-US" sz="5400" dirty="0"/>
-              <a:t>平和</a:t>
-            </a:r>
-            <a:r>
-              <a:rPr kumimoji="1" lang="ja-JP" altLang="en-US" sz="5400" dirty="0" smtClean="0"/>
-              <a:t>を</a:t>
-            </a:r>
-            <a:r>
-              <a:rPr kumimoji="1" lang="ja-JP" altLang="en-US" sz="5400" dirty="0"/>
-              <a:t>守</a:t>
-            </a:r>
-            <a:r>
-              <a:rPr kumimoji="1" lang="ja-JP" altLang="en-US" sz="5400" dirty="0" smtClean="0"/>
-              <a:t>るためフェンビーが今、着水する。</a:t>
-            </a:r>
-            <a:endParaRPr kumimoji="1" lang="ja-JP" altLang="en-US" sz="5400" dirty="0"/>
+              <a:t>海の平和を守るためフェンビーが今、着水する。</a:t>
+            </a:r>
           </a:p>
         </p:txBody>
       </p:sp>
@@ -4123,13 +4007,6 @@
   <p:clrMapOvr>
     <a:masterClrMapping/>
   </p:clrMapOvr>
-  <p:timing>
-    <p:tnLst>
-      <p:par>
-        <p:cTn id="1" dur="indefinite" restart="never" nodeType="tmRoot"/>
-      </p:par>
-    </p:tnLst>
-  </p:timing>
 </p:sld>
 </file>
 
@@ -4166,7 +4043,7 @@
           <a:lstStyle/>
           <a:p>
             <a:r>
-              <a:rPr lang="ja-JP" altLang="en-US" b="1" dirty="0" smtClean="0">
+              <a:rPr lang="ja-JP" altLang="en-US" b="1" dirty="0">
                 <a:solidFill>
                   <a:schemeClr val="accent1">
                     <a:lumMod val="75000"/>
@@ -4203,14 +4080,14 @@
           <a:lstStyle/>
           <a:p>
             <a:r>
-              <a:rPr kumimoji="1" lang="ja-JP" altLang="en-US" sz="4400" dirty="0" smtClean="0"/>
+              <a:rPr kumimoji="1" lang="ja-JP" altLang="en-US" sz="4400" dirty="0"/>
               <a:t>想定しているターゲットは、１０</a:t>
             </a:r>
             <a:r>
-              <a:rPr lang="ja-JP" altLang="en-US" sz="4400" dirty="0" smtClean="0"/>
+              <a:rPr lang="ja-JP" altLang="en-US" sz="4400" dirty="0"/>
               <a:t>歳以下を考えています。</a:t>
             </a:r>
-            <a:endParaRPr lang="en-US" altLang="ja-JP" sz="4400" dirty="0" smtClean="0"/>
+            <a:endParaRPr lang="en-US" altLang="ja-JP" sz="4400" dirty="0"/>
           </a:p>
         </p:txBody>
       </p:sp>
@@ -4327,17 +4204,7 @@
                   </a:schemeClr>
                 </a:solidFill>
               </a:rPr>
-              <a:t>キャラクタ</a:t>
-            </a:r>
-            <a:r>
-              <a:rPr lang="ja-JP" altLang="en-US" b="1" dirty="0" smtClean="0">
-                <a:solidFill>
-                  <a:schemeClr val="accent1">
-                    <a:lumMod val="75000"/>
-                  </a:schemeClr>
-                </a:solidFill>
-              </a:rPr>
-              <a:t>ー</a:t>
+              <a:t>キャラクター</a:t>
             </a:r>
             <a:endParaRPr kumimoji="1" lang="ja-JP" altLang="en-US" b="1" dirty="0">
               <a:solidFill>
@@ -4370,20 +4237,20 @@
               <a:buNone/>
             </a:pPr>
             <a:r>
-              <a:rPr kumimoji="1" lang="ja-JP" altLang="en-US" sz="5400" dirty="0" smtClean="0"/>
+              <a:rPr kumimoji="1" lang="ja-JP" altLang="en-US" sz="5400" dirty="0"/>
               <a:t>プレイヤー</a:t>
             </a:r>
-            <a:endParaRPr kumimoji="1" lang="en-US" altLang="ja-JP" sz="5400" dirty="0" smtClean="0"/>
+            <a:endParaRPr kumimoji="1" lang="en-US" altLang="ja-JP" sz="5400" dirty="0"/>
           </a:p>
           <a:p>
             <a:pPr marL="0" indent="0">
               <a:buNone/>
             </a:pPr>
             <a:r>
-              <a:rPr lang="ja-JP" altLang="en-US" sz="5400" dirty="0" smtClean="0"/>
+              <a:rPr lang="ja-JP" altLang="en-US" sz="5400" dirty="0"/>
               <a:t>フェンビー</a:t>
             </a:r>
-            <a:endParaRPr lang="en-US" altLang="ja-JP" sz="5400" dirty="0" smtClean="0"/>
+            <a:endParaRPr lang="en-US" altLang="ja-JP" sz="5400" dirty="0"/>
           </a:p>
           <a:p>
             <a:pPr marL="0" indent="0">
@@ -4396,20 +4263,19 @@
               <a:buNone/>
             </a:pPr>
             <a:r>
-              <a:rPr kumimoji="1" lang="ja-JP" altLang="en-US" sz="5400" dirty="0" smtClean="0"/>
+              <a:rPr kumimoji="1" lang="ja-JP" altLang="en-US" sz="5400" dirty="0"/>
               <a:t>エネミー</a:t>
             </a:r>
-            <a:endParaRPr kumimoji="1" lang="en-US" altLang="ja-JP" sz="5400" dirty="0" smtClean="0"/>
+            <a:endParaRPr kumimoji="1" lang="en-US" altLang="ja-JP" sz="5400" dirty="0"/>
           </a:p>
           <a:p>
             <a:pPr marL="0" indent="0">
               <a:buNone/>
             </a:pPr>
             <a:r>
-              <a:rPr kumimoji="1" lang="ja-JP" altLang="en-US" sz="5400" dirty="0" smtClean="0"/>
+              <a:rPr kumimoji="1" lang="ja-JP" altLang="en-US" sz="5400" dirty="0"/>
               <a:t>イカ</a:t>
             </a:r>
-            <a:endParaRPr kumimoji="1" lang="ja-JP" altLang="en-US" sz="5400" dirty="0"/>
           </a:p>
         </p:txBody>
       </p:sp>
@@ -4519,7 +4385,7 @@
           <a:lstStyle/>
           <a:p>
             <a:r>
-              <a:rPr kumimoji="1" lang="ja-JP" altLang="en-US" b="1" dirty="0" smtClean="0">
+              <a:rPr kumimoji="1" lang="ja-JP" altLang="en-US" b="1" dirty="0">
                 <a:solidFill>
                   <a:schemeClr val="accent1">
                     <a:lumMod val="75000"/>
@@ -4528,13 +4394,6 @@
               </a:rPr>
               <a:t>アイテム</a:t>
             </a:r>
-            <a:endParaRPr kumimoji="1" lang="ja-JP" altLang="en-US" b="1" dirty="0">
-              <a:solidFill>
-                <a:schemeClr val="accent1">
-                  <a:lumMod val="75000"/>
-                </a:schemeClr>
-              </a:solidFill>
-            </a:endParaRPr>
           </a:p>
         </p:txBody>
       </p:sp>
@@ -4556,41 +4415,36 @@
           <a:lstStyle/>
           <a:p>
             <a:r>
-              <a:rPr kumimoji="1" lang="ja-JP" altLang="en-US" sz="4400" dirty="0" smtClean="0"/>
+              <a:rPr kumimoji="1" lang="ja-JP" altLang="en-US" sz="4400" dirty="0"/>
               <a:t>回復の泡</a:t>
             </a:r>
-            <a:endParaRPr kumimoji="1" lang="en-US" altLang="ja-JP" sz="4400" dirty="0" smtClean="0"/>
-          </a:p>
-          <a:p>
-            <a:r>
-              <a:rPr kumimoji="1" lang="ja-JP" altLang="en-US" sz="4400" dirty="0" smtClean="0"/>
+            <a:endParaRPr kumimoji="1" lang="en-US" altLang="ja-JP" sz="4400" dirty="0"/>
+          </a:p>
+          <a:p>
+            <a:r>
+              <a:rPr kumimoji="1" lang="ja-JP" altLang="en-US" sz="4400" dirty="0"/>
               <a:t>体力を少し回復します。</a:t>
             </a:r>
-            <a:endParaRPr kumimoji="1" lang="en-US" altLang="ja-JP" sz="4400" dirty="0" smtClean="0"/>
+            <a:endParaRPr kumimoji="1" lang="en-US" altLang="ja-JP" sz="4400" dirty="0"/>
           </a:p>
           <a:p>
             <a:pPr marL="0" indent="0">
               <a:buNone/>
             </a:pPr>
-            <a:endParaRPr kumimoji="1" lang="en-US" altLang="ja-JP" sz="4400" dirty="0" smtClean="0"/>
-          </a:p>
-          <a:p>
-            <a:r>
-              <a:rPr lang="ja-JP" altLang="en-US" sz="4400" dirty="0" smtClean="0"/>
+            <a:endParaRPr kumimoji="1" lang="en-US" altLang="ja-JP" sz="4400" dirty="0"/>
+          </a:p>
+          <a:p>
+            <a:r>
+              <a:rPr lang="ja-JP" altLang="en-US" sz="4400" dirty="0"/>
               <a:t>ウンチ</a:t>
             </a:r>
-            <a:endParaRPr lang="en-US" altLang="ja-JP" sz="4400" dirty="0" smtClean="0"/>
+            <a:endParaRPr lang="en-US" altLang="ja-JP" sz="4400" dirty="0"/>
           </a:p>
           <a:p>
             <a:r>
               <a:rPr kumimoji="1" lang="ja-JP" altLang="en-US" sz="4400" dirty="0"/>
-              <a:t>体力</a:t>
-            </a:r>
-            <a:r>
-              <a:rPr kumimoji="1" lang="ja-JP" altLang="en-US" sz="4400" dirty="0" smtClean="0"/>
-              <a:t>を減らし少しの間動けなくなる。</a:t>
-            </a:r>
-            <a:endParaRPr kumimoji="1" lang="ja-JP" altLang="en-US" sz="4400" dirty="0"/>
+              <a:t>体力を減らし少しの間動けなくなる。</a:t>
+            </a:r>
           </a:p>
         </p:txBody>
       </p:sp>
@@ -4675,16 +4529,6 @@
           <a:lstStyle/>
           <a:p>
             <a:r>
-              <a:rPr lang="ja-JP" altLang="en-US" b="1" dirty="0" smtClean="0">
-                <a:solidFill>
-                  <a:schemeClr val="accent1">
-                    <a:lumMod val="75000"/>
-                  </a:schemeClr>
-                </a:solidFill>
-              </a:rPr>
-              <a:t>操作</a:t>
-            </a:r>
-            <a:r>
               <a:rPr lang="ja-JP" altLang="en-US" b="1" dirty="0">
                 <a:solidFill>
                   <a:schemeClr val="accent1">
@@ -4692,7 +4536,7 @@
                   </a:schemeClr>
                 </a:solidFill>
               </a:rPr>
-              <a:t>方法</a:t>
+              <a:t>操作方法</a:t>
             </a:r>
             <a:endParaRPr kumimoji="1" lang="ja-JP" altLang="en-US" b="1" dirty="0">
               <a:solidFill>
@@ -4723,30 +4567,25 @@
           <a:p>
             <a:r>
               <a:rPr lang="ja-JP" altLang="en-US" sz="5400" dirty="0"/>
-              <a:t>十</a:t>
-            </a:r>
-            <a:r>
-              <a:rPr lang="ja-JP" altLang="en-US" sz="5400" dirty="0" smtClean="0"/>
-              <a:t>字キーで移動</a:t>
-            </a:r>
-            <a:endParaRPr lang="en-US" altLang="ja-JP" sz="5400" dirty="0" smtClean="0"/>
+              <a:t>十字キーで移動</a:t>
+            </a:r>
+            <a:endParaRPr lang="en-US" altLang="ja-JP" sz="5400" dirty="0"/>
           </a:p>
           <a:p>
             <a:pPr marL="0" indent="0">
               <a:buNone/>
             </a:pPr>
-            <a:endParaRPr lang="en-US" altLang="ja-JP" sz="5400" dirty="0" smtClean="0"/>
-          </a:p>
-          <a:p>
-            <a:r>
-              <a:rPr kumimoji="1" lang="en-US" altLang="ja-JP" sz="5400" dirty="0" smtClean="0"/>
+            <a:endParaRPr lang="en-US" altLang="ja-JP" sz="5400" dirty="0"/>
+          </a:p>
+          <a:p>
+            <a:r>
+              <a:rPr kumimoji="1" lang="en-US" altLang="ja-JP" sz="5400" dirty="0"/>
               <a:t>SPACE</a:t>
             </a:r>
             <a:r>
-              <a:rPr kumimoji="1" lang="ja-JP" altLang="en-US" sz="5400" dirty="0" smtClean="0"/>
+              <a:rPr kumimoji="1" lang="ja-JP" altLang="en-US" sz="5400" dirty="0"/>
               <a:t>キーでショットを打つ</a:t>
             </a:r>
-            <a:endParaRPr kumimoji="1" lang="ja-JP" altLang="en-US" sz="5400" dirty="0"/>
           </a:p>
         </p:txBody>
       </p:sp>
@@ -4861,7 +4700,7 @@
           <a:lstStyle/>
           <a:p>
             <a:r>
-              <a:rPr kumimoji="1" lang="ja-JP" altLang="en-US" b="1" dirty="0" smtClean="0">
+              <a:rPr kumimoji="1" lang="ja-JP" altLang="en-US" b="1" dirty="0">
                 <a:solidFill>
                   <a:schemeClr val="accent1">
                     <a:lumMod val="75000"/>
@@ -4870,13 +4709,6 @@
               </a:rPr>
               <a:t>設定</a:t>
             </a:r>
-            <a:endParaRPr kumimoji="1" lang="ja-JP" altLang="en-US" b="1" dirty="0">
-              <a:solidFill>
-                <a:schemeClr val="accent1">
-                  <a:lumMod val="75000"/>
-                </a:schemeClr>
-              </a:solidFill>
-            </a:endParaRPr>
           </a:p>
         </p:txBody>
       </p:sp>
@@ -4898,18 +4730,17 @@
           <a:lstStyle/>
           <a:p>
             <a:r>
-              <a:rPr kumimoji="1" lang="ja-JP" altLang="en-US" sz="4800" dirty="0" smtClean="0"/>
+              <a:rPr kumimoji="1" lang="ja-JP" altLang="en-US" sz="4800" dirty="0"/>
               <a:t>海の中で潜水艇をそうさして敵であるイカをどんどん</a:t>
             </a:r>
             <a:r>
-              <a:rPr kumimoji="1" lang="ja-JP" altLang="en-US" sz="4800" dirty="0" err="1" smtClean="0"/>
+              <a:rPr kumimoji="1" lang="ja-JP" altLang="en-US" sz="4800" dirty="0" err="1"/>
               <a:t>た</a:t>
             </a:r>
             <a:r>
-              <a:rPr kumimoji="1" lang="ja-JP" altLang="en-US" sz="4800" dirty="0" smtClean="0"/>
+              <a:rPr kumimoji="1" lang="ja-JP" altLang="en-US" sz="4800" dirty="0"/>
               <a:t>たおしていくゲームになります</a:t>
             </a:r>
-            <a:endParaRPr kumimoji="1" lang="ja-JP" altLang="en-US" sz="4800" dirty="0"/>
           </a:p>
         </p:txBody>
       </p:sp>
